--- a/仕様/プレゼンテーション/第三回発表.pptx
+++ b/仕様/プレゼンテーション/第三回発表.pptx
@@ -5817,11 +5817,15 @@
             </a:r>
             <a:r>
               <a:rPr lang="ja-JP" altLang="en-US" dirty="0"/>
-              <a:t>二</a:t>
+              <a:t>三</a:t>
             </a:r>
             <a:r>
               <a:rPr lang="ja-JP" altLang="en-US" dirty="0" smtClean="0"/>
-              <a:t>回卒業制作プレゼンテーション</a:t>
+              <a:t>回</a:t>
+            </a:r>
+            <a:r>
+              <a:rPr lang="ja-JP" altLang="en-US" dirty="0" smtClean="0"/>
+              <a:t>卒業制作プレゼンテーション</a:t>
             </a:r>
             <a:endParaRPr kumimoji="1" lang="ja-JP" altLang="en-US" dirty="0"/>
           </a:p>
@@ -6009,7 +6013,6 @@
               <a:rPr kumimoji="1" lang="en-US" altLang="ja-JP" sz="2000" dirty="0" smtClean="0"/>
               <a:t>……</a:t>
             </a:r>
-            <a:endParaRPr kumimoji="1" lang="en-US" altLang="ja-JP" sz="2000" dirty="0" smtClean="0"/>
           </a:p>
         </p:txBody>
       </p:sp>
@@ -6165,11 +6168,7 @@
           <a:p>
             <a:r>
               <a:rPr kumimoji="1" lang="ja-JP" altLang="en-US" sz="2000" dirty="0" smtClean="0"/>
-              <a:t>狩って狩って</a:t>
-            </a:r>
-            <a:r>
-              <a:rPr kumimoji="1" lang="ja-JP" altLang="en-US" sz="2000" dirty="0" smtClean="0"/>
-              <a:t>狩りまくる対戦型アクション</a:t>
+              <a:t>狩って狩って狩りまくる対戦型アクション</a:t>
             </a:r>
             <a:r>
               <a:rPr kumimoji="1" lang="en-US" altLang="ja-JP" sz="2000" dirty="0" smtClean="0"/>
@@ -6468,19 +6467,7 @@
           <a:p>
             <a:r>
               <a:rPr kumimoji="1" lang="ja-JP" altLang="en-US" dirty="0" smtClean="0"/>
-              <a:t>今後の実装予定＆次回発表内容</a:t>
-            </a:r>
-            <a:r>
-              <a:rPr kumimoji="1" lang="en-US" altLang="ja-JP" dirty="0" smtClean="0"/>
-              <a:t>(</a:t>
-            </a:r>
-            <a:r>
-              <a:rPr kumimoji="1" lang="ja-JP" altLang="en-US" dirty="0" smtClean="0"/>
-              <a:t>予定</a:t>
-            </a:r>
-            <a:r>
-              <a:rPr kumimoji="1" lang="en-US" altLang="ja-JP" dirty="0" smtClean="0"/>
-              <a:t>)</a:t>
+              <a:t>あと一週間、最終調整！</a:t>
             </a:r>
             <a:endParaRPr kumimoji="1" lang="ja-JP" altLang="en-US" dirty="0"/>
           </a:p>
@@ -6508,10 +6495,6 @@
           </a:bodyPr>
           <a:lstStyle/>
           <a:p>
-            <a:r>
-              <a:rPr kumimoji="1" lang="ja-JP" altLang="en-US" dirty="0" smtClean="0"/>
-              <a:t>今回は非常に</a:t>
-            </a:r>
             <a:endParaRPr kumimoji="1" lang="ja-JP" altLang="en-US" dirty="0"/>
           </a:p>
         </p:txBody>
@@ -7458,11 +7441,7 @@
             </a:pPr>
             <a:r>
               <a:rPr kumimoji="1" lang="ja-JP" altLang="en-US" sz="3600" dirty="0" smtClean="0"/>
-              <a:t>数ヶ月</a:t>
-            </a:r>
-            <a:r>
-              <a:rPr kumimoji="1" lang="ja-JP" altLang="en-US" sz="3600" dirty="0" smtClean="0"/>
-              <a:t>。</a:t>
+              <a:t>数ヶ月。</a:t>
             </a:r>
             <a:endParaRPr kumimoji="1" lang="ja-JP" altLang="en-US" sz="3600" dirty="0"/>
           </a:p>
@@ -7555,11 +7534,7 @@
             </a:pPr>
             <a:r>
               <a:rPr kumimoji="1" lang="ja-JP" altLang="en-US" sz="4400" dirty="0" smtClean="0"/>
-              <a:t>就職活動に</a:t>
-            </a:r>
-            <a:r>
-              <a:rPr kumimoji="1" lang="ja-JP" altLang="en-US" sz="4400" dirty="0" smtClean="0"/>
-              <a:t>追われた結果</a:t>
+              <a:t>就職活動に追われた結果</a:t>
             </a:r>
             <a:r>
               <a:rPr kumimoji="1" lang="en-US" altLang="ja-JP" sz="4400" dirty="0" smtClean="0"/>
@@ -7767,11 +7742,7 @@
           <a:p>
             <a:r>
               <a:rPr kumimoji="1" lang="ja-JP" altLang="en-US" dirty="0" smtClean="0"/>
-              <a:t>というわけで</a:t>
-            </a:r>
-            <a:r>
-              <a:rPr kumimoji="1" lang="ja-JP" altLang="en-US" dirty="0" smtClean="0"/>
-              <a:t>、見所などの紹介から</a:t>
+              <a:t>というわけで、見所などの紹介から</a:t>
             </a:r>
             <a:endParaRPr kumimoji="1" lang="ja-JP" altLang="en-US" dirty="0"/>
           </a:p>
@@ -7816,11 +7787,7 @@
             </a:pPr>
             <a:r>
               <a:rPr kumimoji="1" lang="ja-JP" altLang="en-US" sz="4000" dirty="0" smtClean="0"/>
-              <a:t>プロトタイプ</a:t>
-            </a:r>
-            <a:r>
-              <a:rPr kumimoji="1" lang="ja-JP" altLang="en-US" sz="4000" dirty="0" smtClean="0"/>
-              <a:t>実機</a:t>
+              <a:t>プロトタイプ実機</a:t>
             </a:r>
             <a:r>
               <a:rPr kumimoji="1" lang="ja-JP" altLang="en-US" sz="4000" dirty="0"/>

--- a/仕様/プレゼンテーション/第三回発表.pptx
+++ b/仕様/プレゼンテーション/第三回発表.pptx
@@ -206,7 +206,7 @@
           <a:p>
             <a:fld id="{94FD8BCF-D63F-423A-BBFA-53EA679724C4}" type="datetimeFigureOut">
               <a:rPr kumimoji="1" lang="ja-JP" altLang="en-US" smtClean="0"/>
-              <a:t>2017/1/24</a:t>
+              <a:t>2017/1/25</a:t>
             </a:fld>
             <a:endParaRPr kumimoji="1" lang="ja-JP" altLang="en-US"/>
           </a:p>
@@ -738,7 +738,7 @@
           <a:p>
             <a:fld id="{E90ED720-0104-4369-84BC-D37694168613}" type="datetimeFigureOut">
               <a:rPr kumimoji="1" lang="ja-JP" altLang="en-US" smtClean="0"/>
-              <a:t>2017/1/24</a:t>
+              <a:t>2017/1/25</a:t>
             </a:fld>
             <a:endParaRPr kumimoji="1" lang="ja-JP" altLang="en-US"/>
           </a:p>
@@ -1639,7 +1639,7 @@
           <a:p>
             <a:fld id="{E90ED720-0104-4369-84BC-D37694168613}" type="datetimeFigureOut">
               <a:rPr kumimoji="1" lang="ja-JP" altLang="en-US" smtClean="0"/>
-              <a:t>2017/1/24</a:t>
+              <a:t>2017/1/25</a:t>
             </a:fld>
             <a:endParaRPr kumimoji="1" lang="ja-JP" altLang="en-US"/>
           </a:p>
@@ -1846,7 +1846,7 @@
           <a:p>
             <a:fld id="{E90ED720-0104-4369-84BC-D37694168613}" type="datetimeFigureOut">
               <a:rPr kumimoji="1" lang="ja-JP" altLang="en-US" smtClean="0"/>
-              <a:t>2017/1/24</a:t>
+              <a:t>2017/1/25</a:t>
             </a:fld>
             <a:endParaRPr kumimoji="1" lang="ja-JP" altLang="en-US"/>
           </a:p>
@@ -2048,7 +2048,7 @@
           <a:p>
             <a:fld id="{E90ED720-0104-4369-84BC-D37694168613}" type="datetimeFigureOut">
               <a:rPr kumimoji="1" lang="ja-JP" altLang="en-US" smtClean="0"/>
-              <a:t>2017/1/24</a:t>
+              <a:t>2017/1/25</a:t>
             </a:fld>
             <a:endParaRPr kumimoji="1" lang="ja-JP" altLang="en-US"/>
           </a:p>
@@ -2258,7 +2258,7 @@
           <a:p>
             <a:fld id="{E90ED720-0104-4369-84BC-D37694168613}" type="datetimeFigureOut">
               <a:rPr kumimoji="1" lang="ja-JP" altLang="en-US" smtClean="0"/>
-              <a:t>2017/1/24</a:t>
+              <a:t>2017/1/25</a:t>
             </a:fld>
             <a:endParaRPr kumimoji="1" lang="ja-JP" altLang="en-US"/>
           </a:p>
@@ -3072,7 +3072,7 @@
           <a:p>
             <a:fld id="{E90ED720-0104-4369-84BC-D37694168613}" type="datetimeFigureOut">
               <a:rPr kumimoji="1" lang="ja-JP" altLang="en-US" smtClean="0"/>
-              <a:t>2017/1/24</a:t>
+              <a:t>2017/1/25</a:t>
             </a:fld>
             <a:endParaRPr kumimoji="1" lang="ja-JP" altLang="en-US"/>
           </a:p>
@@ -3372,7 +3372,7 @@
           <a:p>
             <a:fld id="{E90ED720-0104-4369-84BC-D37694168613}" type="datetimeFigureOut">
               <a:rPr kumimoji="1" lang="ja-JP" altLang="en-US" smtClean="0"/>
-              <a:t>2017/1/24</a:t>
+              <a:t>2017/1/25</a:t>
             </a:fld>
             <a:endParaRPr kumimoji="1" lang="ja-JP" altLang="en-US"/>
           </a:p>
@@ -3759,7 +3759,7 @@
           <a:p>
             <a:fld id="{E90ED720-0104-4369-84BC-D37694168613}" type="datetimeFigureOut">
               <a:rPr kumimoji="1" lang="ja-JP" altLang="en-US" smtClean="0"/>
-              <a:t>2017/1/24</a:t>
+              <a:t>2017/1/25</a:t>
             </a:fld>
             <a:endParaRPr kumimoji="1" lang="ja-JP" altLang="en-US"/>
           </a:p>
@@ -3849,7 +3849,7 @@
           <a:p>
             <a:fld id="{E90ED720-0104-4369-84BC-D37694168613}" type="datetimeFigureOut">
               <a:rPr kumimoji="1" lang="ja-JP" altLang="en-US" smtClean="0"/>
-              <a:t>2017/1/24</a:t>
+              <a:t>2017/1/25</a:t>
             </a:fld>
             <a:endParaRPr kumimoji="1" lang="ja-JP" altLang="en-US"/>
           </a:p>
@@ -4398,7 +4398,7 @@
           <a:p>
             <a:fld id="{E90ED720-0104-4369-84BC-D37694168613}" type="datetimeFigureOut">
               <a:rPr kumimoji="1" lang="ja-JP" altLang="en-US" smtClean="0"/>
-              <a:t>2017/1/24</a:t>
+              <a:t>2017/1/25</a:t>
             </a:fld>
             <a:endParaRPr kumimoji="1" lang="ja-JP" altLang="en-US"/>
           </a:p>
@@ -4909,7 +4909,7 @@
           <a:p>
             <a:fld id="{E90ED720-0104-4369-84BC-D37694168613}" type="datetimeFigureOut">
               <a:rPr kumimoji="1" lang="ja-JP" altLang="en-US" smtClean="0"/>
-              <a:t>2017/1/24</a:t>
+              <a:t>2017/1/25</a:t>
             </a:fld>
             <a:endParaRPr kumimoji="1" lang="ja-JP" altLang="en-US"/>
           </a:p>
@@ -5186,7 +5186,7 @@
           <a:p>
             <a:fld id="{E90ED720-0104-4369-84BC-D37694168613}" type="datetimeFigureOut">
               <a:rPr kumimoji="1" lang="ja-JP" altLang="en-US" smtClean="0"/>
-              <a:t>2017/1/24</a:t>
+              <a:t>2017/1/25</a:t>
             </a:fld>
             <a:endParaRPr kumimoji="1" lang="ja-JP" altLang="en-US"/>
           </a:p>
@@ -5821,11 +5821,7 @@
             </a:r>
             <a:r>
               <a:rPr lang="ja-JP" altLang="en-US" dirty="0" smtClean="0"/>
-              <a:t>回</a:t>
-            </a:r>
-            <a:r>
-              <a:rPr lang="ja-JP" altLang="en-US" dirty="0" smtClean="0"/>
-              <a:t>卒業制作プレゼンテーション</a:t>
+              <a:t>回卒業制作プレゼンテーション</a:t>
             </a:r>
             <a:endParaRPr kumimoji="1" lang="ja-JP" altLang="en-US" dirty="0"/>
           </a:p>
@@ -5876,7 +5872,7 @@
           <a:p>
             <a:fld id="{3B0ABBF7-0051-4006-810C-014A19F60712}" type="datetime1">
               <a:rPr kumimoji="1" lang="ja-JP" altLang="en-US" smtClean="0"/>
-              <a:t>2017/1/24</a:t>
+              <a:t>2017/1/25</a:t>
             </a:fld>
             <a:endParaRPr kumimoji="1" lang="ja-JP" altLang="en-US"/>
           </a:p>
@@ -7666,8 +7662,8 @@
         </p:nvSpPr>
         <p:spPr>
           <a:xfrm>
-            <a:off x="4860032" y="4259292"/>
-            <a:ext cx="3185487" cy="369332"/>
+            <a:off x="4283968" y="4259292"/>
+            <a:ext cx="3647152" cy="369332"/>
           </a:xfrm>
           <a:prstGeom prst="rect">
             <a:avLst/>
@@ -7681,8 +7677,16 @@
           <a:lstStyle/>
           <a:p>
             <a:r>
+              <a:rPr lang="ja-JP" altLang="en-US" strike="sngStrike" dirty="0"/>
+              <a:t>遅延</a:t>
+            </a:r>
+            <a:r>
               <a:rPr kumimoji="1" lang="ja-JP" altLang="en-US" strike="sngStrike" dirty="0" smtClean="0"/>
-              <a:t>遅刻欠席には気を付けよう！</a:t>
+              <a:t>遅刻</a:t>
+            </a:r>
+            <a:r>
+              <a:rPr kumimoji="1" lang="ja-JP" altLang="en-US" strike="sngStrike" dirty="0" smtClean="0"/>
+              <a:t>欠席には気を付けよう！</a:t>
             </a:r>
             <a:endParaRPr kumimoji="1" lang="ja-JP" altLang="en-US" strike="sngStrike" dirty="0"/>
           </a:p>

--- a/仕様/プレゼンテーション/第三回発表.pptx
+++ b/仕様/プレゼンテーション/第三回発表.pptx
@@ -5,7 +5,7 @@
     <p:sldMasterId id="2147483720" r:id="rId1"/>
   </p:sldMasterIdLst>
   <p:notesMasterIdLst>
-    <p:notesMasterId r:id="rId17"/>
+    <p:notesMasterId r:id="rId14"/>
   </p:notesMasterIdLst>
   <p:sldIdLst>
     <p:sldId id="256" r:id="rId2"/>
@@ -16,13 +16,10 @@
     <p:sldId id="289" r:id="rId7"/>
     <p:sldId id="297" r:id="rId8"/>
     <p:sldId id="294" r:id="rId9"/>
-    <p:sldId id="282" r:id="rId10"/>
-    <p:sldId id="298" r:id="rId11"/>
-    <p:sldId id="299" r:id="rId12"/>
-    <p:sldId id="290" r:id="rId13"/>
-    <p:sldId id="292" r:id="rId14"/>
-    <p:sldId id="296" r:id="rId15"/>
-    <p:sldId id="279" r:id="rId16"/>
+    <p:sldId id="290" r:id="rId10"/>
+    <p:sldId id="292" r:id="rId11"/>
+    <p:sldId id="296" r:id="rId12"/>
+    <p:sldId id="279" r:id="rId13"/>
   </p:sldIdLst>
   <p:sldSz cx="9144000" cy="5143500" type="screen16x9"/>
   <p:notesSz cx="6858000" cy="9144000"/>
@@ -206,7 +203,7 @@
           <a:p>
             <a:fld id="{94FD8BCF-D63F-423A-BBFA-53EA679724C4}" type="datetimeFigureOut">
               <a:rPr kumimoji="1" lang="ja-JP" altLang="en-US" smtClean="0"/>
-              <a:t>2017/1/25</a:t>
+              <a:t>2017/1/26</a:t>
             </a:fld>
             <a:endParaRPr kumimoji="1" lang="ja-JP" altLang="en-US"/>
           </a:p>
@@ -582,7 +579,7 @@
           <a:p>
             <a:fld id="{917D347F-F281-4828-BA46-1DDEB626BA2B}" type="slidenum">
               <a:rPr kumimoji="1" lang="ja-JP" altLang="en-US" smtClean="0"/>
-              <a:t>12</a:t>
+              <a:t>9</a:t>
             </a:fld>
             <a:endParaRPr kumimoji="1" lang="ja-JP" altLang="en-US"/>
           </a:p>
@@ -738,7 +735,7 @@
           <a:p>
             <a:fld id="{E90ED720-0104-4369-84BC-D37694168613}" type="datetimeFigureOut">
               <a:rPr kumimoji="1" lang="ja-JP" altLang="en-US" smtClean="0"/>
-              <a:t>2017/1/25</a:t>
+              <a:t>2017/1/26</a:t>
             </a:fld>
             <a:endParaRPr kumimoji="1" lang="ja-JP" altLang="en-US"/>
           </a:p>
@@ -1639,7 +1636,7 @@
           <a:p>
             <a:fld id="{E90ED720-0104-4369-84BC-D37694168613}" type="datetimeFigureOut">
               <a:rPr kumimoji="1" lang="ja-JP" altLang="en-US" smtClean="0"/>
-              <a:t>2017/1/25</a:t>
+              <a:t>2017/1/26</a:t>
             </a:fld>
             <a:endParaRPr kumimoji="1" lang="ja-JP" altLang="en-US"/>
           </a:p>
@@ -1846,7 +1843,7 @@
           <a:p>
             <a:fld id="{E90ED720-0104-4369-84BC-D37694168613}" type="datetimeFigureOut">
               <a:rPr kumimoji="1" lang="ja-JP" altLang="en-US" smtClean="0"/>
-              <a:t>2017/1/25</a:t>
+              <a:t>2017/1/26</a:t>
             </a:fld>
             <a:endParaRPr kumimoji="1" lang="ja-JP" altLang="en-US"/>
           </a:p>
@@ -2048,7 +2045,7 @@
           <a:p>
             <a:fld id="{E90ED720-0104-4369-84BC-D37694168613}" type="datetimeFigureOut">
               <a:rPr kumimoji="1" lang="ja-JP" altLang="en-US" smtClean="0"/>
-              <a:t>2017/1/25</a:t>
+              <a:t>2017/1/26</a:t>
             </a:fld>
             <a:endParaRPr kumimoji="1" lang="ja-JP" altLang="en-US"/>
           </a:p>
@@ -2258,7 +2255,7 @@
           <a:p>
             <a:fld id="{E90ED720-0104-4369-84BC-D37694168613}" type="datetimeFigureOut">
               <a:rPr kumimoji="1" lang="ja-JP" altLang="en-US" smtClean="0"/>
-              <a:t>2017/1/25</a:t>
+              <a:t>2017/1/26</a:t>
             </a:fld>
             <a:endParaRPr kumimoji="1" lang="ja-JP" altLang="en-US"/>
           </a:p>
@@ -3072,7 +3069,7 @@
           <a:p>
             <a:fld id="{E90ED720-0104-4369-84BC-D37694168613}" type="datetimeFigureOut">
               <a:rPr kumimoji="1" lang="ja-JP" altLang="en-US" smtClean="0"/>
-              <a:t>2017/1/25</a:t>
+              <a:t>2017/1/26</a:t>
             </a:fld>
             <a:endParaRPr kumimoji="1" lang="ja-JP" altLang="en-US"/>
           </a:p>
@@ -3372,7 +3369,7 @@
           <a:p>
             <a:fld id="{E90ED720-0104-4369-84BC-D37694168613}" type="datetimeFigureOut">
               <a:rPr kumimoji="1" lang="ja-JP" altLang="en-US" smtClean="0"/>
-              <a:t>2017/1/25</a:t>
+              <a:t>2017/1/26</a:t>
             </a:fld>
             <a:endParaRPr kumimoji="1" lang="ja-JP" altLang="en-US"/>
           </a:p>
@@ -3759,7 +3756,7 @@
           <a:p>
             <a:fld id="{E90ED720-0104-4369-84BC-D37694168613}" type="datetimeFigureOut">
               <a:rPr kumimoji="1" lang="ja-JP" altLang="en-US" smtClean="0"/>
-              <a:t>2017/1/25</a:t>
+              <a:t>2017/1/26</a:t>
             </a:fld>
             <a:endParaRPr kumimoji="1" lang="ja-JP" altLang="en-US"/>
           </a:p>
@@ -3849,7 +3846,7 @@
           <a:p>
             <a:fld id="{E90ED720-0104-4369-84BC-D37694168613}" type="datetimeFigureOut">
               <a:rPr kumimoji="1" lang="ja-JP" altLang="en-US" smtClean="0"/>
-              <a:t>2017/1/25</a:t>
+              <a:t>2017/1/26</a:t>
             </a:fld>
             <a:endParaRPr kumimoji="1" lang="ja-JP" altLang="en-US"/>
           </a:p>
@@ -4398,7 +4395,7 @@
           <a:p>
             <a:fld id="{E90ED720-0104-4369-84BC-D37694168613}" type="datetimeFigureOut">
               <a:rPr kumimoji="1" lang="ja-JP" altLang="en-US" smtClean="0"/>
-              <a:t>2017/1/25</a:t>
+              <a:t>2017/1/26</a:t>
             </a:fld>
             <a:endParaRPr kumimoji="1" lang="ja-JP" altLang="en-US"/>
           </a:p>
@@ -4909,7 +4906,7 @@
           <a:p>
             <a:fld id="{E90ED720-0104-4369-84BC-D37694168613}" type="datetimeFigureOut">
               <a:rPr kumimoji="1" lang="ja-JP" altLang="en-US" smtClean="0"/>
-              <a:t>2017/1/25</a:t>
+              <a:t>2017/1/26</a:t>
             </a:fld>
             <a:endParaRPr kumimoji="1" lang="ja-JP" altLang="en-US"/>
           </a:p>
@@ -5186,7 +5183,7 @@
           <a:p>
             <a:fld id="{E90ED720-0104-4369-84BC-D37694168613}" type="datetimeFigureOut">
               <a:rPr kumimoji="1" lang="ja-JP" altLang="en-US" smtClean="0"/>
-              <a:t>2017/1/25</a:t>
+              <a:t>2017/1/26</a:t>
             </a:fld>
             <a:endParaRPr kumimoji="1" lang="ja-JP" altLang="en-US"/>
           </a:p>
@@ -5872,7 +5869,7 @@
           <a:p>
             <a:fld id="{3B0ABBF7-0051-4006-810C-014A19F60712}" type="datetime1">
               <a:rPr kumimoji="1" lang="ja-JP" altLang="en-US" smtClean="0"/>
-              <a:t>2017/1/25</a:t>
+              <a:t>2017/1/26</a:t>
             </a:fld>
             <a:endParaRPr kumimoji="1" lang="ja-JP" altLang="en-US"/>
           </a:p>
@@ -5964,124 +5961,41 @@
             <p:ph type="title"/>
           </p:nvPr>
         </p:nvSpPr>
-        <p:spPr/>
+        <p:spPr>
+          <a:xfrm>
+            <a:off x="457200" y="1635646"/>
+            <a:ext cx="8363272" cy="1656184"/>
+          </a:xfrm>
+        </p:spPr>
         <p:txBody>
           <a:bodyPr>
-            <a:normAutofit/>
+            <a:noAutofit/>
           </a:bodyPr>
           <a:lstStyle/>
           <a:p>
             <a:r>
-              <a:rPr lang="ja-JP" altLang="en-US" dirty="0" smtClean="0"/>
-              <a:t>ハンブレとは？</a:t>
-            </a:r>
-            <a:endParaRPr kumimoji="1" lang="ja-JP" altLang="en-US" dirty="0"/>
-          </a:p>
-        </p:txBody>
-      </p:sp>
-      <p:sp>
-        <p:nvSpPr>
-          <p:cNvPr id="3" name="コンテンツ プレースホルダー 2"/>
-          <p:cNvSpPr>
-            <a:spLocks noGrp="1"/>
-          </p:cNvSpPr>
-          <p:nvPr>
-            <p:ph sz="quarter" idx="1"/>
-          </p:nvPr>
-        </p:nvSpPr>
-        <p:spPr>
-          <a:xfrm>
-            <a:off x="457200" y="1200150"/>
-            <a:ext cx="7859216" cy="3655314"/>
-          </a:xfrm>
-        </p:spPr>
-        <p:txBody>
-          <a:bodyPr>
-            <a:normAutofit/>
-          </a:bodyPr>
-          <a:lstStyle/>
-          <a:p>
-            <a:r>
-              <a:rPr kumimoji="1" lang="ja-JP" altLang="en-US" sz="2000" dirty="0" smtClean="0"/>
-              <a:t>成長して</a:t>
-            </a:r>
-            <a:r>
-              <a:rPr kumimoji="1" lang="en-US" altLang="ja-JP" sz="2000" dirty="0" smtClean="0"/>
-              <a:t>……</a:t>
-            </a:r>
-          </a:p>
-        </p:txBody>
-      </p:sp>
-      <p:sp>
-        <p:nvSpPr>
-          <p:cNvPr id="7" name="テキスト ボックス 6"/>
-          <p:cNvSpPr txBox="1"/>
-          <p:nvPr/>
-        </p:nvSpPr>
-        <p:spPr>
-          <a:xfrm>
-            <a:off x="5580112" y="4155926"/>
-            <a:ext cx="2420856" cy="707886"/>
-          </a:xfrm>
-          <a:prstGeom prst="rect">
-            <a:avLst/>
-          </a:prstGeom>
-          <a:noFill/>
-        </p:spPr>
-        <p:txBody>
-          <a:bodyPr wrap="none" rtlCol="0">
-            <a:spAutoFit/>
-          </a:bodyPr>
-          <a:lstStyle/>
-          <a:p>
-            <a:r>
-              <a:rPr kumimoji="1" lang="ja-JP" altLang="en-US" sz="4000" dirty="0" smtClean="0">
-                <a:ln>
-                  <a:solidFill>
-                    <a:schemeClr val="tx1"/>
-                  </a:solidFill>
-                </a:ln>
-                <a:solidFill>
-                  <a:schemeClr val="bg1"/>
-                </a:solidFill>
-                <a:effectLst>
-                  <a:outerShdw blurRad="50800" dist="38100" dir="2700000" algn="tl" rotWithShape="0">
-                    <a:prstClr val="black">
-                      <a:alpha val="40000"/>
-                    </a:prstClr>
-                  </a:outerShdw>
-                </a:effectLst>
-                <a:latin typeface="AR PハイカラＰＯＰ体H" panose="020B0600010101010101" pitchFamily="50" charset="-128"/>
-                <a:ea typeface="AR PハイカラＰＯＰ体H" panose="020B0600010101010101" pitchFamily="50" charset="-128"/>
-              </a:rPr>
-              <a:t>ファイター</a:t>
-            </a:r>
-            <a:endParaRPr kumimoji="1" lang="ja-JP" altLang="en-US" sz="4000" dirty="0">
-              <a:ln>
-                <a:solidFill>
-                  <a:schemeClr val="tx1"/>
-                </a:solidFill>
-              </a:ln>
-              <a:solidFill>
-                <a:schemeClr val="bg1"/>
-              </a:solidFill>
-              <a:effectLst>
-                <a:outerShdw blurRad="50800" dist="38100" dir="2700000" algn="tl" rotWithShape="0">
-                  <a:prstClr val="black">
-                    <a:alpha val="40000"/>
-                  </a:prstClr>
-                </a:outerShdw>
-              </a:effectLst>
-              <a:latin typeface="AR PハイカラＰＯＰ体H" panose="020B0600010101010101" pitchFamily="50" charset="-128"/>
-              <a:ea typeface="AR PハイカラＰＯＰ体H" panose="020B0600010101010101" pitchFamily="50" charset="-128"/>
-            </a:endParaRPr>
+              <a:rPr kumimoji="1" lang="ja-JP" altLang="en-US" sz="4800" dirty="0" smtClean="0"/>
+              <a:t>では、実機プレイに参ります</a:t>
+            </a:r>
+            <a:r>
+              <a:rPr kumimoji="1" lang="en-US" altLang="ja-JP" sz="4800" dirty="0" smtClean="0"/>
+              <a:t/>
+            </a:r>
+            <a:br>
+              <a:rPr kumimoji="1" lang="en-US" altLang="ja-JP" sz="4800" dirty="0" smtClean="0"/>
+            </a:br>
+            <a:r>
+              <a:rPr lang="ja-JP" altLang="en-US" sz="4800" dirty="0" smtClean="0"/>
+              <a:t>少々お待ちくださいませ</a:t>
+            </a:r>
+            <a:endParaRPr kumimoji="1" lang="ja-JP" altLang="en-US" sz="4800" dirty="0"/>
           </a:p>
         </p:txBody>
       </p:sp>
     </p:spTree>
     <p:extLst>
       <p:ext uri="{BB962C8B-B14F-4D97-AF65-F5344CB8AC3E}">
-        <p14:creationId xmlns:p14="http://schemas.microsoft.com/office/powerpoint/2010/main" val="2585558211"/>
+        <p14:creationId xmlns:p14="http://schemas.microsoft.com/office/powerpoint/2010/main" val="4267696760"/>
       </p:ext>
     </p:extLst>
   </p:cSld>
@@ -6125,372 +6039,41 @@
             <p:ph type="title"/>
           </p:nvPr>
         </p:nvSpPr>
-        <p:spPr/>
+        <p:spPr>
+          <a:xfrm>
+            <a:off x="457200" y="1707654"/>
+            <a:ext cx="7467600" cy="1721346"/>
+          </a:xfrm>
+        </p:spPr>
         <p:txBody>
           <a:bodyPr>
-            <a:normAutofit/>
+            <a:normAutofit fontScale="90000"/>
           </a:bodyPr>
           <a:lstStyle/>
           <a:p>
             <a:r>
-              <a:rPr lang="ja-JP" altLang="en-US" dirty="0" smtClean="0"/>
-              <a:t>ハンブレとは？</a:t>
-            </a:r>
-            <a:endParaRPr kumimoji="1" lang="ja-JP" altLang="en-US" dirty="0"/>
-          </a:p>
-        </p:txBody>
-      </p:sp>
-      <p:sp>
-        <p:nvSpPr>
-          <p:cNvPr id="3" name="コンテンツ プレースホルダー 2"/>
-          <p:cNvSpPr>
-            <a:spLocks noGrp="1"/>
-          </p:cNvSpPr>
-          <p:nvPr>
-            <p:ph sz="quarter" idx="1"/>
-          </p:nvPr>
-        </p:nvSpPr>
-        <p:spPr>
-          <a:xfrm>
-            <a:off x="457200" y="1200150"/>
-            <a:ext cx="7859216" cy="3655314"/>
-          </a:xfrm>
-        </p:spPr>
-        <p:txBody>
-          <a:bodyPr>
-            <a:normAutofit/>
-          </a:bodyPr>
-          <a:lstStyle/>
-          <a:p>
-            <a:r>
-              <a:rPr kumimoji="1" lang="ja-JP" altLang="en-US" sz="2000" dirty="0" smtClean="0"/>
-              <a:t>狩って狩って狩りまくる対戦型アクション</a:t>
-            </a:r>
-            <a:r>
-              <a:rPr kumimoji="1" lang="en-US" altLang="ja-JP" sz="2000" dirty="0" smtClean="0"/>
-              <a:t>RPG</a:t>
-            </a:r>
-            <a:r>
-              <a:rPr kumimoji="1" lang="ja-JP" altLang="en-US" sz="2000" dirty="0" smtClean="0"/>
-              <a:t>！</a:t>
-            </a:r>
-            <a:endParaRPr kumimoji="1" lang="en-US" altLang="ja-JP" sz="2000" dirty="0" smtClean="0"/>
-          </a:p>
-        </p:txBody>
-      </p:sp>
-      <p:sp>
-        <p:nvSpPr>
-          <p:cNvPr id="7" name="テキスト ボックス 6"/>
-          <p:cNvSpPr txBox="1"/>
-          <p:nvPr/>
-        </p:nvSpPr>
-        <p:spPr>
-          <a:xfrm>
-            <a:off x="5580112" y="4155926"/>
-            <a:ext cx="2420856" cy="707886"/>
-          </a:xfrm>
-          <a:prstGeom prst="rect">
-            <a:avLst/>
-          </a:prstGeom>
-          <a:noFill/>
-        </p:spPr>
-        <p:txBody>
-          <a:bodyPr wrap="none" rtlCol="0">
-            <a:spAutoFit/>
-          </a:bodyPr>
-          <a:lstStyle/>
-          <a:p>
-            <a:r>
-              <a:rPr kumimoji="1" lang="ja-JP" altLang="en-US" sz="4000" dirty="0" smtClean="0">
-                <a:ln>
-                  <a:solidFill>
-                    <a:schemeClr val="tx1"/>
-                  </a:solidFill>
-                </a:ln>
-                <a:solidFill>
-                  <a:schemeClr val="bg1"/>
-                </a:solidFill>
-                <a:effectLst>
-                  <a:outerShdw blurRad="50800" dist="38100" dir="2700000" algn="tl" rotWithShape="0">
-                    <a:prstClr val="black">
-                      <a:alpha val="40000"/>
-                    </a:prstClr>
-                  </a:outerShdw>
-                </a:effectLst>
-                <a:latin typeface="AR PハイカラＰＯＰ体H" panose="020B0600010101010101" pitchFamily="50" charset="-128"/>
-                <a:ea typeface="AR PハイカラＰＯＰ体H" panose="020B0600010101010101" pitchFamily="50" charset="-128"/>
-              </a:rPr>
-              <a:t>ファイター</a:t>
-            </a:r>
-            <a:endParaRPr kumimoji="1" lang="ja-JP" altLang="en-US" sz="4000" dirty="0">
-              <a:ln>
-                <a:solidFill>
-                  <a:schemeClr val="tx1"/>
-                </a:solidFill>
-              </a:ln>
-              <a:solidFill>
-                <a:schemeClr val="bg1"/>
-              </a:solidFill>
-              <a:effectLst>
-                <a:outerShdw blurRad="50800" dist="38100" dir="2700000" algn="tl" rotWithShape="0">
-                  <a:prstClr val="black">
-                    <a:alpha val="40000"/>
-                  </a:prstClr>
-                </a:outerShdw>
-              </a:effectLst>
-              <a:latin typeface="AR PハイカラＰＯＰ体H" panose="020B0600010101010101" pitchFamily="50" charset="-128"/>
-              <a:ea typeface="AR PハイカラＰＯＰ体H" panose="020B0600010101010101" pitchFamily="50" charset="-128"/>
-            </a:endParaRPr>
-          </a:p>
-        </p:txBody>
-      </p:sp>
-    </p:spTree>
-    <p:extLst>
-      <p:ext uri="{BB962C8B-B14F-4D97-AF65-F5344CB8AC3E}">
-        <p14:creationId xmlns:p14="http://schemas.microsoft.com/office/powerpoint/2010/main" val="1641729312"/>
-      </p:ext>
-    </p:extLst>
-  </p:cSld>
-  <p:clrMapOvr>
-    <a:masterClrMapping/>
-  </p:clrMapOvr>
-  <p:timing>
-    <p:tnLst>
-      <p:par>
-        <p:cTn id="1" dur="indefinite" restart="never" nodeType="tmRoot"/>
-      </p:par>
-    </p:tnLst>
-  </p:timing>
-</p:sld>
-</file>
-
-<file path=ppt/slides/slide12.xml><?xml version="1.0" encoding="utf-8"?>
-<p:sld xmlns:a="http://schemas.openxmlformats.org/drawingml/2006/main" xmlns:r="http://schemas.openxmlformats.org/officeDocument/2006/relationships" xmlns:p="http://schemas.openxmlformats.org/presentationml/2006/main">
-  <p:cSld>
-    <p:spTree>
-      <p:nvGrpSpPr>
-        <p:cNvPr id="1" name=""/>
-        <p:cNvGrpSpPr/>
-        <p:nvPr/>
-      </p:nvGrpSpPr>
-      <p:grpSpPr>
-        <a:xfrm>
-          <a:off x="0" y="0"/>
-          <a:ext cx="0" cy="0"/>
-          <a:chOff x="0" y="0"/>
-          <a:chExt cx="0" cy="0"/>
-        </a:xfrm>
-      </p:grpSpPr>
-      <p:sp>
-        <p:nvSpPr>
-          <p:cNvPr id="2" name="タイトル 1"/>
-          <p:cNvSpPr>
-            <a:spLocks noGrp="1"/>
-          </p:cNvSpPr>
-          <p:nvPr>
-            <p:ph type="title"/>
-          </p:nvPr>
-        </p:nvSpPr>
-        <p:spPr/>
-        <p:txBody>
-          <a:bodyPr>
-            <a:normAutofit/>
-          </a:bodyPr>
-          <a:lstStyle/>
-          <a:p>
-            <a:r>
-              <a:rPr lang="ja-JP" altLang="en-US" dirty="0" smtClean="0"/>
-              <a:t>ハンブレの注目ポイント</a:t>
-            </a:r>
-            <a:endParaRPr kumimoji="1" lang="ja-JP" altLang="en-US" dirty="0"/>
-          </a:p>
-        </p:txBody>
-      </p:sp>
-      <p:sp>
-        <p:nvSpPr>
-          <p:cNvPr id="3" name="コンテンツ プレースホルダー 2"/>
-          <p:cNvSpPr>
-            <a:spLocks noGrp="1"/>
-          </p:cNvSpPr>
-          <p:nvPr>
-            <p:ph sz="quarter" idx="1"/>
-          </p:nvPr>
-        </p:nvSpPr>
-        <p:spPr/>
-        <p:txBody>
-          <a:bodyPr>
-            <a:normAutofit/>
-          </a:bodyPr>
-          <a:lstStyle/>
-          <a:p>
-            <a:r>
-              <a:rPr lang="ja-JP" altLang="en-US" sz="2000" dirty="0" smtClean="0"/>
-              <a:t>成長戦略こそ、個の見せ所！</a:t>
-            </a:r>
-            <a:endParaRPr kumimoji="1" lang="en-US" altLang="ja-JP" sz="2000" dirty="0" smtClean="0"/>
-          </a:p>
-        </p:txBody>
-      </p:sp>
-    </p:spTree>
-    <p:extLst>
-      <p:ext uri="{BB962C8B-B14F-4D97-AF65-F5344CB8AC3E}">
-        <p14:creationId xmlns:p14="http://schemas.microsoft.com/office/powerpoint/2010/main" val="4235410542"/>
-      </p:ext>
-    </p:extLst>
-  </p:cSld>
-  <p:clrMapOvr>
-    <a:masterClrMapping/>
-  </p:clrMapOvr>
-  <p:timing>
-    <p:tnLst>
-      <p:par>
-        <p:cTn id="1" dur="indefinite" restart="never" nodeType="tmRoot"/>
-      </p:par>
-    </p:tnLst>
-  </p:timing>
-</p:sld>
-</file>
-
-<file path=ppt/slides/slide13.xml><?xml version="1.0" encoding="utf-8"?>
-<p:sld xmlns:a="http://schemas.openxmlformats.org/drawingml/2006/main" xmlns:r="http://schemas.openxmlformats.org/officeDocument/2006/relationships" xmlns:p="http://schemas.openxmlformats.org/presentationml/2006/main">
-  <p:cSld>
-    <p:spTree>
-      <p:nvGrpSpPr>
-        <p:cNvPr id="1" name=""/>
-        <p:cNvGrpSpPr/>
-        <p:nvPr/>
-      </p:nvGrpSpPr>
-      <p:grpSpPr>
-        <a:xfrm>
-          <a:off x="0" y="0"/>
-          <a:ext cx="0" cy="0"/>
-          <a:chOff x="0" y="0"/>
-          <a:chExt cx="0" cy="0"/>
-        </a:xfrm>
-      </p:grpSpPr>
-      <p:sp>
-        <p:nvSpPr>
-          <p:cNvPr id="2" name="タイトル 1"/>
-          <p:cNvSpPr>
-            <a:spLocks noGrp="1"/>
-          </p:cNvSpPr>
-          <p:nvPr>
-            <p:ph type="title"/>
-          </p:nvPr>
-        </p:nvSpPr>
-        <p:spPr>
-          <a:xfrm>
-            <a:off x="457200" y="1635646"/>
-            <a:ext cx="8363272" cy="1656184"/>
-          </a:xfrm>
-        </p:spPr>
-        <p:txBody>
-          <a:bodyPr>
-            <a:noAutofit/>
-          </a:bodyPr>
-          <a:lstStyle/>
-          <a:p>
-            <a:r>
-              <a:rPr kumimoji="1" lang="ja-JP" altLang="en-US" sz="4800" dirty="0" smtClean="0"/>
-              <a:t>では、実機プレイに参ります</a:t>
-            </a:r>
-            <a:r>
-              <a:rPr kumimoji="1" lang="en-US" altLang="ja-JP" sz="4800" dirty="0" smtClean="0"/>
+              <a:rPr kumimoji="1" lang="ja-JP" altLang="en-US" sz="8000" dirty="0" smtClean="0"/>
+              <a:t>最後に</a:t>
+            </a:r>
+            <a:r>
+              <a:rPr kumimoji="1" lang="en-US" altLang="ja-JP" dirty="0" smtClean="0"/>
               <a:t/>
             </a:r>
             <a:br>
-              <a:rPr kumimoji="1" lang="en-US" altLang="ja-JP" sz="4800" dirty="0" smtClean="0"/>
+              <a:rPr kumimoji="1" lang="en-US" altLang="ja-JP" dirty="0" smtClean="0"/>
             </a:br>
             <a:r>
-              <a:rPr lang="ja-JP" altLang="en-US" sz="4800" dirty="0" smtClean="0"/>
-              <a:t>少々お待ちくださいませ</a:t>
-            </a:r>
-            <a:endParaRPr kumimoji="1" lang="ja-JP" altLang="en-US" sz="4800" dirty="0"/>
-          </a:p>
-        </p:txBody>
-      </p:sp>
-    </p:spTree>
-    <p:extLst>
-      <p:ext uri="{BB962C8B-B14F-4D97-AF65-F5344CB8AC3E}">
-        <p14:creationId xmlns:p14="http://schemas.microsoft.com/office/powerpoint/2010/main" val="4267696760"/>
-      </p:ext>
-    </p:extLst>
-  </p:cSld>
-  <p:clrMapOvr>
-    <a:masterClrMapping/>
-  </p:clrMapOvr>
-  <p:timing>
-    <p:tnLst>
-      <p:par>
-        <p:cTn id="1" dur="indefinite" restart="never" nodeType="tmRoot"/>
-      </p:par>
-    </p:tnLst>
-  </p:timing>
-</p:sld>
-</file>
-
-<file path=ppt/slides/slide14.xml><?xml version="1.0" encoding="utf-8"?>
-<p:sld xmlns:a="http://schemas.openxmlformats.org/drawingml/2006/main" xmlns:r="http://schemas.openxmlformats.org/officeDocument/2006/relationships" xmlns:p="http://schemas.openxmlformats.org/presentationml/2006/main">
-  <p:cSld>
-    <p:spTree>
-      <p:nvGrpSpPr>
-        <p:cNvPr id="1" name=""/>
-        <p:cNvGrpSpPr/>
-        <p:nvPr/>
-      </p:nvGrpSpPr>
-      <p:grpSpPr>
-        <a:xfrm>
-          <a:off x="0" y="0"/>
-          <a:ext cx="0" cy="0"/>
-          <a:chOff x="0" y="0"/>
-          <a:chExt cx="0" cy="0"/>
-        </a:xfrm>
-      </p:grpSpPr>
-      <p:sp>
-        <p:nvSpPr>
-          <p:cNvPr id="2" name="タイトル 1"/>
-          <p:cNvSpPr>
-            <a:spLocks noGrp="1"/>
-          </p:cNvSpPr>
-          <p:nvPr>
-            <p:ph type="title"/>
-          </p:nvPr>
-        </p:nvSpPr>
-        <p:spPr/>
-        <p:txBody>
-          <a:bodyPr/>
-          <a:lstStyle/>
-          <a:p>
-            <a:r>
               <a:rPr kumimoji="1" lang="ja-JP" altLang="en-US" dirty="0" smtClean="0"/>
-              <a:t>あと一週間、最終調整！</a:t>
-            </a:r>
-            <a:endParaRPr kumimoji="1" lang="ja-JP" altLang="en-US" dirty="0"/>
-          </a:p>
-        </p:txBody>
-      </p:sp>
-      <p:sp>
-        <p:nvSpPr>
-          <p:cNvPr id="3" name="コンテンツ プレースホルダー 2"/>
-          <p:cNvSpPr>
-            <a:spLocks noGrp="1"/>
-          </p:cNvSpPr>
-          <p:nvPr>
-            <p:ph sz="quarter" idx="1"/>
-          </p:nvPr>
-        </p:nvSpPr>
-        <p:spPr>
-          <a:xfrm>
-            <a:off x="457200" y="1704206"/>
-            <a:ext cx="8686800" cy="2451720"/>
-          </a:xfrm>
-        </p:spPr>
-        <p:txBody>
-          <a:bodyPr>
-            <a:normAutofit/>
-          </a:bodyPr>
-          <a:lstStyle/>
-          <a:p>
+              <a:t>展示会へ向けてどう</a:t>
+            </a:r>
+            <a:r>
+              <a:rPr kumimoji="1" lang="ja-JP" altLang="en-US" dirty="0" smtClean="0"/>
+              <a:t>すんねん</a:t>
+            </a:r>
+            <a:r>
+              <a:rPr lang="ja-JP" altLang="en-US" dirty="0"/>
+              <a:t>。</a:t>
+            </a:r>
             <a:endParaRPr kumimoji="1" lang="ja-JP" altLang="en-US" dirty="0"/>
           </a:p>
         </p:txBody>
@@ -6515,7 +6098,7 @@
 </p:sld>
 </file>
 
-<file path=ppt/slides/slide15.xml><?xml version="1.0" encoding="utf-8"?>
+<file path=ppt/slides/slide12.xml><?xml version="1.0" encoding="utf-8"?>
 <p:sld xmlns:a="http://schemas.openxmlformats.org/drawingml/2006/main" xmlns:r="http://schemas.openxmlformats.org/officeDocument/2006/relationships" xmlns:p="http://schemas.openxmlformats.org/presentationml/2006/main">
   <p:cSld>
     <p:spTree>
@@ -6728,7 +6311,23 @@
                   <a:schemeClr val="tx1"/>
                 </a:solidFill>
               </a:rPr>
-              <a:t>髙鳥義行　高山拓巳　</a:t>
+              <a:t>髙鳥義行　高山</a:t>
+            </a:r>
+            <a:r>
+              <a:rPr kumimoji="1" lang="ja-JP" altLang="en-US" sz="2800" dirty="0" smtClean="0">
+                <a:solidFill>
+                  <a:schemeClr val="tx1"/>
+                </a:solidFill>
+              </a:rPr>
+              <a:t>拓己</a:t>
+            </a:r>
+            <a:r>
+              <a:rPr kumimoji="1" lang="ja-JP" altLang="en-US" sz="2800" dirty="0" smtClean="0">
+                <a:solidFill>
+                  <a:schemeClr val="tx1"/>
+                </a:solidFill>
+              </a:rPr>
+              <a:t>　</a:t>
             </a:r>
             <a:endParaRPr kumimoji="1" lang="en-US" altLang="ja-JP" sz="2800" dirty="0" smtClean="0">
               <a:solidFill>
@@ -7645,7 +7244,7 @@
                 <a:latin typeface="ＡＲＰ古印体Ｂ" panose="020B0600010101010101" pitchFamily="50" charset="-128"/>
                 <a:ea typeface="ＡＲＰ古印体Ｂ" panose="020B0600010101010101" pitchFamily="50" charset="-128"/>
               </a:rPr>
-              <a:t>追われてました</a:t>
+              <a:t>追われてます</a:t>
             </a:r>
             <a:endParaRPr lang="en-US" altLang="ja-JP" dirty="0">
               <a:latin typeface="ＡＲＰ古印体Ｂ" panose="020B0600010101010101" pitchFamily="50" charset="-128"/>
@@ -7662,8 +7261,8 @@
         </p:nvSpPr>
         <p:spPr>
           <a:xfrm>
-            <a:off x="4283968" y="4259292"/>
-            <a:ext cx="3647152" cy="369332"/>
+            <a:off x="3419872" y="4255124"/>
+            <a:ext cx="4544834" cy="400110"/>
           </a:xfrm>
           <a:prstGeom prst="rect">
             <a:avLst/>
@@ -7677,18 +7276,18 @@
           <a:lstStyle/>
           <a:p>
             <a:r>
-              <a:rPr lang="ja-JP" altLang="en-US" strike="sngStrike" dirty="0"/>
-              <a:t>遅延</a:t>
-            </a:r>
-            <a:r>
-              <a:rPr kumimoji="1" lang="ja-JP" altLang="en-US" strike="sngStrike" dirty="0" smtClean="0"/>
-              <a:t>遅刻</a:t>
-            </a:r>
-            <a:r>
-              <a:rPr kumimoji="1" lang="ja-JP" altLang="en-US" strike="sngStrike" dirty="0" smtClean="0"/>
-              <a:t>欠席には気を付けよう！</a:t>
-            </a:r>
-            <a:endParaRPr kumimoji="1" lang="ja-JP" altLang="en-US" strike="sngStrike" dirty="0"/>
+              <a:rPr lang="ja-JP" altLang="en-US" sz="2000" strike="sngStrike" dirty="0" smtClean="0"/>
+              <a:t>遅延　</a:t>
+            </a:r>
+            <a:r>
+              <a:rPr kumimoji="1" lang="ja-JP" altLang="en-US" sz="2000" strike="sngStrike" dirty="0" smtClean="0"/>
+              <a:t>遅刻　欠席</a:t>
+            </a:r>
+            <a:r>
+              <a:rPr kumimoji="1" lang="ja-JP" altLang="en-US" sz="2000" strike="sngStrike" dirty="0" smtClean="0"/>
+              <a:t>には気を付けよう！</a:t>
+            </a:r>
+            <a:endParaRPr kumimoji="1" lang="ja-JP" altLang="en-US" sz="2000" strike="sngStrike" dirty="0"/>
           </a:p>
         </p:txBody>
       </p:sp>
@@ -7856,7 +7455,7 @@
           <a:p>
             <a:r>
               <a:rPr lang="ja-JP" altLang="en-US" dirty="0" smtClean="0"/>
-              <a:t>ハンブレとは？</a:t>
+              <a:t>ハンブレをおさらい</a:t>
             </a:r>
             <a:endParaRPr kumimoji="1" lang="ja-JP" altLang="en-US" dirty="0"/>
           </a:p>
@@ -7864,52 +7463,14 @@
       </p:sp>
       <p:sp>
         <p:nvSpPr>
-          <p:cNvPr id="3" name="コンテンツ プレースホルダー 2"/>
-          <p:cNvSpPr>
-            <a:spLocks noGrp="1"/>
-          </p:cNvSpPr>
-          <p:nvPr>
-            <p:ph sz="quarter" idx="1"/>
-          </p:nvPr>
-        </p:nvSpPr>
-        <p:spPr>
-          <a:xfrm>
-            <a:off x="457200" y="1200150"/>
-            <a:ext cx="7859216" cy="3655314"/>
-          </a:xfrm>
-        </p:spPr>
-        <p:txBody>
-          <a:bodyPr>
-            <a:normAutofit/>
-          </a:bodyPr>
-          <a:lstStyle/>
-          <a:p>
-            <a:r>
-              <a:rPr lang="ja-JP" altLang="en-US" sz="2000" dirty="0"/>
-              <a:t>敵</a:t>
-            </a:r>
-            <a:r>
-              <a:rPr lang="ja-JP" altLang="en-US" sz="2000" dirty="0" smtClean="0"/>
-              <a:t>を倒し</a:t>
-            </a:r>
-            <a:r>
-              <a:rPr lang="en-US" altLang="ja-JP" sz="2000" dirty="0" smtClean="0"/>
-              <a:t>……</a:t>
-            </a:r>
-            <a:endParaRPr kumimoji="1" lang="en-US" altLang="ja-JP" sz="2000" dirty="0" smtClean="0"/>
-          </a:p>
-        </p:txBody>
-      </p:sp>
-      <p:sp>
-        <p:nvSpPr>
-          <p:cNvPr id="7" name="テキスト ボックス 6"/>
+          <p:cNvPr id="5" name="テキスト ボックス 4"/>
           <p:cNvSpPr txBox="1"/>
           <p:nvPr/>
         </p:nvSpPr>
         <p:spPr>
           <a:xfrm>
-            <a:off x="5580112" y="4155926"/>
-            <a:ext cx="2420856" cy="707886"/>
+            <a:off x="1428804" y="1203598"/>
+            <a:ext cx="5519460" cy="3416320"/>
           </a:xfrm>
           <a:prstGeom prst="rect">
             <a:avLst/>
@@ -7923,53 +7484,178 @@
           <a:lstStyle/>
           <a:p>
             <a:r>
-              <a:rPr kumimoji="1" lang="ja-JP" altLang="en-US" sz="4000" dirty="0" smtClean="0">
-                <a:ln>
-                  <a:solidFill>
-                    <a:schemeClr val="tx1"/>
-                  </a:solidFill>
-                </a:ln>
+              <a:rPr lang="ja-JP" altLang="en-US" sz="7200" dirty="0">
+                <a:latin typeface="ＤＦＧPOP1体W12" panose="040B0C00010101010101" pitchFamily="50" charset="-128"/>
+                <a:ea typeface="ＤＦＧPOP1体W12" panose="040B0C00010101010101" pitchFamily="50" charset="-128"/>
+                <a:cs typeface="A-OTF 太ミンA101 Pro Bold" pitchFamily="18" charset="-128"/>
+              </a:rPr>
+              <a:t>敵倒し</a:t>
+            </a:r>
+            <a:endParaRPr lang="en-US" altLang="ja-JP" sz="7200" dirty="0" smtClean="0">
+              <a:latin typeface="ＤＦＧPOP1体W12" panose="040B0C00010101010101" pitchFamily="50" charset="-128"/>
+              <a:ea typeface="ＤＦＧPOP1体W12" panose="040B0C00010101010101" pitchFamily="50" charset="-128"/>
+              <a:cs typeface="A-OTF 太ミンA101 Pro Bold" pitchFamily="18" charset="-128"/>
+            </a:endParaRPr>
+          </a:p>
+          <a:p>
+            <a:r>
+              <a:rPr lang="ja-JP" altLang="en-US" sz="7200" dirty="0">
+                <a:latin typeface="ＤＦＧPOP1体W12" panose="040B0C00010101010101" pitchFamily="50" charset="-128"/>
+                <a:ea typeface="ＤＦＧPOP1体W12" panose="040B0C00010101010101" pitchFamily="50" charset="-128"/>
+                <a:cs typeface="A-OTF 太ミンA101 Pro Bold" pitchFamily="18" charset="-128"/>
+              </a:rPr>
+              <a:t>自分</a:t>
+            </a:r>
+            <a:r>
+              <a:rPr kumimoji="1" lang="ja-JP" altLang="en-US" sz="7200" dirty="0" smtClean="0">
+                <a:latin typeface="ＤＦＧPOP1体W12" panose="040B0C00010101010101" pitchFamily="50" charset="-128"/>
+                <a:ea typeface="ＤＦＧPOP1体W12" panose="040B0C00010101010101" pitchFamily="50" charset="-128"/>
+                <a:cs typeface="A-OTF 太ミンA101 Pro Bold" pitchFamily="18" charset="-128"/>
+              </a:rPr>
+              <a:t>を育てて</a:t>
+            </a:r>
+            <a:endParaRPr kumimoji="1" lang="en-US" altLang="ja-JP" sz="7200" dirty="0" smtClean="0">
+              <a:latin typeface="ＤＦＧPOP1体W12" panose="040B0C00010101010101" pitchFamily="50" charset="-128"/>
+              <a:ea typeface="ＤＦＧPOP1体W12" panose="040B0C00010101010101" pitchFamily="50" charset="-128"/>
+              <a:cs typeface="A-OTF 太ミンA101 Pro Bold" pitchFamily="18" charset="-128"/>
+            </a:endParaRPr>
+          </a:p>
+          <a:p>
+            <a:r>
+              <a:rPr lang="ja-JP" altLang="en-US" sz="7200" dirty="0" smtClean="0">
+                <a:latin typeface="ＤＦＧPOP1体W12" panose="040B0C00010101010101" pitchFamily="50" charset="-128"/>
+                <a:ea typeface="ＤＦＧPOP1体W12" panose="040B0C00010101010101" pitchFamily="50" charset="-128"/>
+                <a:cs typeface="A-OTF 太ミンA101 Pro Bold" pitchFamily="18" charset="-128"/>
+              </a:rPr>
+              <a:t>狩り</a:t>
+            </a:r>
+            <a:r>
+              <a:rPr lang="ja-JP" altLang="en-US" sz="7200" dirty="0">
+                <a:latin typeface="ＤＦＧPOP1体W12" panose="040B0C00010101010101" pitchFamily="50" charset="-128"/>
+                <a:ea typeface="ＤＦＧPOP1体W12" panose="040B0C00010101010101" pitchFamily="50" charset="-128"/>
+                <a:cs typeface="A-OTF 太ミンA101 Pro Bold" pitchFamily="18" charset="-128"/>
+              </a:rPr>
+              <a:t>つくせ</a:t>
+            </a:r>
+            <a:endParaRPr kumimoji="1" lang="ja-JP" altLang="en-US" sz="7200" dirty="0">
+              <a:latin typeface="ＤＦＧPOP1体W12" panose="040B0C00010101010101" pitchFamily="50" charset="-128"/>
+              <a:ea typeface="ＤＦＧPOP1体W12" panose="040B0C00010101010101" pitchFamily="50" charset="-128"/>
+              <a:cs typeface="A-OTF 太ミンA101 Pro Bold" pitchFamily="18" charset="-128"/>
+            </a:endParaRPr>
+          </a:p>
+        </p:txBody>
+      </p:sp>
+      <p:sp>
+        <p:nvSpPr>
+          <p:cNvPr id="3" name="テキスト ボックス 2"/>
+          <p:cNvSpPr txBox="1"/>
+          <p:nvPr/>
+        </p:nvSpPr>
+        <p:spPr>
+          <a:xfrm>
+            <a:off x="6876256" y="4011910"/>
+            <a:ext cx="646331" cy="646331"/>
+          </a:xfrm>
+          <a:prstGeom prst="rect">
+            <a:avLst/>
+          </a:prstGeom>
+          <a:noFill/>
+        </p:spPr>
+        <p:txBody>
+          <a:bodyPr wrap="none" rtlCol="0">
+            <a:spAutoFit/>
+          </a:bodyPr>
+          <a:lstStyle/>
+          <a:p>
+            <a:r>
+              <a:rPr kumimoji="1" lang="ja-JP" altLang="en-US" dirty="0" err="1" smtClean="0">
                 <a:solidFill>
-                  <a:schemeClr val="bg1"/>
+                  <a:srgbClr val="FF0000"/>
                 </a:solidFill>
-                <a:effectLst>
-                  <a:outerShdw blurRad="50800" dist="38100" dir="2700000" algn="tl" rotWithShape="0">
-                    <a:prstClr val="black">
-                      <a:alpha val="40000"/>
-                    </a:prstClr>
-                  </a:outerShdw>
-                </a:effectLst>
-                <a:latin typeface="AR PハイカラＰＯＰ体H" panose="020B0600010101010101" pitchFamily="50" charset="-128"/>
-                <a:ea typeface="AR PハイカラＰＯＰ体H" panose="020B0600010101010101" pitchFamily="50" charset="-128"/>
+                <a:latin typeface="+mj-ea"/>
+                <a:ea typeface="+mj-ea"/>
               </a:rPr>
-              <a:t>ファイター</a:t>
-            </a:r>
-            <a:endParaRPr kumimoji="1" lang="ja-JP" altLang="en-US" sz="4000" dirty="0">
-              <a:ln>
+              <a:t>はん</a:t>
+            </a:r>
+            <a:endParaRPr kumimoji="1" lang="en-US" altLang="ja-JP" dirty="0" smtClean="0">
+              <a:solidFill>
+                <a:srgbClr val="FF0000"/>
+              </a:solidFill>
+              <a:latin typeface="+mj-ea"/>
+              <a:ea typeface="+mj-ea"/>
+            </a:endParaRPr>
+          </a:p>
+          <a:p>
+            <a:r>
+              <a:rPr kumimoji="1" lang="ja-JP" altLang="en-US" dirty="0" smtClean="0">
                 <a:solidFill>
-                  <a:schemeClr val="tx1"/>
+                  <a:srgbClr val="FF0000"/>
                 </a:solidFill>
-              </a:ln>
+                <a:latin typeface="+mj-ea"/>
+                <a:ea typeface="+mj-ea"/>
+              </a:rPr>
+              <a:t>ぶれ</a:t>
+            </a:r>
+            <a:endParaRPr kumimoji="1" lang="ja-JP" altLang="en-US" dirty="0">
               <a:solidFill>
-                <a:schemeClr val="bg1"/>
+                <a:srgbClr val="FF0000"/>
               </a:solidFill>
-              <a:effectLst>
-                <a:outerShdw blurRad="50800" dist="38100" dir="2700000" algn="tl" rotWithShape="0">
-                  <a:prstClr val="black">
-                    <a:alpha val="40000"/>
-                  </a:prstClr>
-                </a:outerShdw>
-              </a:effectLst>
-              <a:latin typeface="AR PハイカラＰＯＰ体H" panose="020B0600010101010101" pitchFamily="50" charset="-128"/>
-              <a:ea typeface="AR PハイカラＰＯＰ体H" panose="020B0600010101010101" pitchFamily="50" charset="-128"/>
+              <a:latin typeface="+mj-ea"/>
+              <a:ea typeface="+mj-ea"/>
             </a:endParaRPr>
+          </a:p>
+        </p:txBody>
+      </p:sp>
+      <p:sp>
+        <p:nvSpPr>
+          <p:cNvPr id="4" name="角丸四角形 3"/>
+          <p:cNvSpPr/>
+          <p:nvPr/>
+        </p:nvSpPr>
+        <p:spPr>
+          <a:xfrm>
+            <a:off x="6876256" y="4011910"/>
+            <a:ext cx="646331" cy="646331"/>
+          </a:xfrm>
+          <a:prstGeom prst="roundRect">
+            <a:avLst/>
+          </a:prstGeom>
+          <a:noFill/>
+          <a:ln>
+            <a:solidFill>
+              <a:srgbClr val="FF0000"/>
+            </a:solidFill>
+          </a:ln>
+        </p:spPr>
+        <p:style>
+          <a:lnRef idx="2">
+            <a:schemeClr val="accent1">
+              <a:shade val="50000"/>
+            </a:schemeClr>
+          </a:lnRef>
+          <a:fillRef idx="1">
+            <a:schemeClr val="accent1"/>
+          </a:fillRef>
+          <a:effectRef idx="0">
+            <a:schemeClr val="accent1"/>
+          </a:effectRef>
+          <a:fontRef idx="minor">
+            <a:schemeClr val="lt1"/>
+          </a:fontRef>
+        </p:style>
+        <p:txBody>
+          <a:bodyPr rtlCol="0" anchor="ctr"/>
+          <a:lstStyle/>
+          <a:p>
+            <a:pPr algn="ctr"/>
+            <a:endParaRPr kumimoji="1" lang="ja-JP" altLang="en-US"/>
           </a:p>
         </p:txBody>
       </p:sp>
     </p:spTree>
     <p:extLst>
       <p:ext uri="{BB962C8B-B14F-4D97-AF65-F5344CB8AC3E}">
-        <p14:creationId xmlns:p14="http://schemas.microsoft.com/office/powerpoint/2010/main" val="1773572301"/>
+        <p14:creationId xmlns:p14="http://schemas.microsoft.com/office/powerpoint/2010/main" val="4235410542"/>
       </p:ext>
     </p:extLst>
   </p:cSld>
